--- a/3.RandomVariable-Part1/memoryless.pptx
+++ b/3.RandomVariable-Part1/memoryless.pptx
@@ -3411,7 +3411,7 @@
         </p:nvCxnSpPr>
         <p:spPr>
           <a:xfrm>
-            <a:off x="1292535" y="3656787"/>
+            <a:off x="1292535" y="4221870"/>
             <a:ext cx="8511483" cy="0"/>
           </a:xfrm>
           <a:prstGeom prst="straightConnector1">
@@ -3486,7 +3486,7 @@
         </p:nvSpPr>
         <p:spPr>
           <a:xfrm>
-            <a:off x="9870812" y="3472121"/>
+            <a:off x="9870812" y="4037204"/>
             <a:ext cx="614271" cy="369332"/>
           </a:xfrm>
           <a:prstGeom prst="rect">
@@ -3537,7 +3537,7 @@
         </p:blipFill>
         <p:spPr bwMode="auto">
           <a:xfrm>
-            <a:off x="573453" y="2504204"/>
+            <a:off x="559748" y="2847096"/>
             <a:ext cx="1620779" cy="970914"/>
           </a:xfrm>
           <a:prstGeom prst="rect">
@@ -3663,78 +3663,6 @@
           </a:p>
         </p:txBody>
       </p:sp>
-      <p:cxnSp>
-        <p:nvCxnSpPr>
-          <p:cNvPr id="17" name="직선 연결선[R] 16">
-            <a:extLst>
-              <a:ext uri="{FF2B5EF4-FFF2-40B4-BE49-F238E27FC236}">
-                <a16:creationId xmlns:a16="http://schemas.microsoft.com/office/drawing/2014/main" id="{C3AEA673-288F-7443-8F21-15B8FD21332A}"/>
-              </a:ext>
-            </a:extLst>
-          </p:cNvPr>
-          <p:cNvCxnSpPr/>
-          <p:nvPr/>
-        </p:nvCxnSpPr>
-        <p:spPr>
-          <a:xfrm>
-            <a:off x="4267195" y="3548840"/>
-            <a:ext cx="0" cy="183791"/>
-          </a:xfrm>
-          <a:prstGeom prst="line">
-            <a:avLst/>
-          </a:prstGeom>
-        </p:spPr>
-        <p:style>
-          <a:lnRef idx="3">
-            <a:schemeClr val="dk1"/>
-          </a:lnRef>
-          <a:fillRef idx="0">
-            <a:schemeClr val="dk1"/>
-          </a:fillRef>
-          <a:effectRef idx="2">
-            <a:schemeClr val="dk1"/>
-          </a:effectRef>
-          <a:fontRef idx="minor">
-            <a:schemeClr val="tx1"/>
-          </a:fontRef>
-        </p:style>
-      </p:cxnSp>
-      <p:sp>
-        <p:nvSpPr>
-          <p:cNvPr id="18" name="TextBox 17">
-            <a:extLst>
-              <a:ext uri="{FF2B5EF4-FFF2-40B4-BE49-F238E27FC236}">
-                <a16:creationId xmlns:a16="http://schemas.microsoft.com/office/drawing/2014/main" id="{6FB93E85-0F07-1E44-944F-443EAA4AFDE4}"/>
-              </a:ext>
-            </a:extLst>
-          </p:cNvPr>
-          <p:cNvSpPr txBox="1"/>
-          <p:nvPr/>
-        </p:nvSpPr>
-        <p:spPr>
-          <a:xfrm>
-            <a:off x="3834996" y="3701078"/>
-            <a:ext cx="883575" cy="369332"/>
-          </a:xfrm>
-          <a:prstGeom prst="rect">
-            <a:avLst/>
-          </a:prstGeom>
-          <a:noFill/>
-        </p:spPr>
-        <p:txBody>
-          <a:bodyPr wrap="none" rtlCol="0">
-            <a:spAutoFit/>
-          </a:bodyPr>
-          <a:lstStyle/>
-          <a:p>
-            <a:r>
-              <a:rPr kumimoji="1" lang="en-US" altLang="ko-Kore-KR" dirty="0"/>
-              <a:t>m mins</a:t>
-            </a:r>
-            <a:endParaRPr kumimoji="1" lang="ko-Kore-KR" altLang="en-US" dirty="0"/>
-          </a:p>
-        </p:txBody>
-      </p:sp>
       <p:sp>
         <p:nvSpPr>
           <p:cNvPr id="12" name="TextBox 11">
@@ -3793,7 +3721,7 @@
         </p:blipFill>
         <p:spPr>
           <a:xfrm>
-            <a:off x="3889716" y="4070409"/>
+            <a:off x="933809" y="4671628"/>
             <a:ext cx="717452" cy="956603"/>
           </a:xfrm>
           <a:prstGeom prst="rect">
@@ -3844,7 +3772,7 @@
         </p:nvSpPr>
         <p:spPr>
           <a:xfrm>
-            <a:off x="3677933" y="5027012"/>
+            <a:off x="722026" y="5628231"/>
             <a:ext cx="1141018" cy="369332"/>
           </a:xfrm>
           <a:prstGeom prst="rect">
@@ -3880,7 +3808,7 @@
         </p:nvSpPr>
         <p:spPr>
           <a:xfrm>
-            <a:off x="2071035" y="1461460"/>
+            <a:off x="2071035" y="1403224"/>
             <a:ext cx="1525739" cy="369332"/>
           </a:xfrm>
           <a:prstGeom prst="rect">
@@ -3946,7 +3874,7 @@
         <p:spPr>
           <a:xfrm>
             <a:off x="4818950" y="748618"/>
-            <a:ext cx="2792175" cy="369332"/>
+            <a:ext cx="6981078" cy="369332"/>
           </a:xfrm>
           <a:prstGeom prst="rect">
             <a:avLst/>
@@ -3961,7 +3889,7 @@
           <a:p>
             <a:r>
               <a:rPr kumimoji="1" lang="en-US" altLang="ko-Kore-KR" dirty="0"/>
-              <a:t>How long do I have to wait?</a:t>
+              <a:t>How long do I have to wait? Probability of waiting for more than n mins?</a:t>
             </a:r>
             <a:endParaRPr kumimoji="1" lang="ko-Kore-KR" altLang="en-US" dirty="0"/>
           </a:p>
@@ -3981,8 +3909,8 @@
         </p:nvSpPr>
         <p:spPr>
           <a:xfrm>
-            <a:off x="4818950" y="4071927"/>
-            <a:ext cx="2792175" cy="369332"/>
+            <a:off x="1863043" y="4673146"/>
+            <a:ext cx="7033977" cy="369332"/>
           </a:xfrm>
           <a:prstGeom prst="rect">
             <a:avLst/>
@@ -3997,7 +3925,7 @@
           <a:p>
             <a:r>
               <a:rPr kumimoji="1" lang="en-US" altLang="ko-Kore-KR" dirty="0"/>
-              <a:t>How long do I have to wait?</a:t>
+              <a:t>How long do I have to wait? Probability of waiting for more than n mins? </a:t>
             </a:r>
             <a:endParaRPr kumimoji="1" lang="ko-Kore-KR" altLang="en-US" dirty="0"/>
           </a:p>
@@ -4055,7 +3983,7 @@
         </p:blipFill>
         <p:spPr>
           <a:xfrm>
-            <a:off x="5149850" y="4499185"/>
+            <a:off x="2193943" y="5100404"/>
             <a:ext cx="1892300" cy="469900"/>
           </a:xfrm>
           <a:prstGeom prst="rect">
@@ -4077,7 +4005,7 @@
         </p:nvSpPr>
         <p:spPr>
           <a:xfrm>
-            <a:off x="1150237" y="3669325"/>
+            <a:off x="1150237" y="4234408"/>
             <a:ext cx="301686" cy="369332"/>
           </a:xfrm>
           <a:prstGeom prst="rect">
@@ -4094,6 +4022,42 @@
             <a:r>
               <a:rPr kumimoji="1" lang="en-US" altLang="ko-Kore-KR" dirty="0"/>
               <a:t>0</a:t>
+            </a:r>
+            <a:endParaRPr kumimoji="1" lang="ko-Kore-KR" altLang="en-US" dirty="0"/>
+          </a:p>
+        </p:txBody>
+      </p:sp>
+      <p:sp>
+        <p:nvSpPr>
+          <p:cNvPr id="23" name="TextBox 22">
+            <a:extLst>
+              <a:ext uri="{FF2B5EF4-FFF2-40B4-BE49-F238E27FC236}">
+                <a16:creationId xmlns:a16="http://schemas.microsoft.com/office/drawing/2014/main" id="{639BE6CD-6A95-334C-8E80-9ACB15D8E6E0}"/>
+              </a:ext>
+            </a:extLst>
+          </p:cNvPr>
+          <p:cNvSpPr txBox="1"/>
+          <p:nvPr/>
+        </p:nvSpPr>
+        <p:spPr>
+          <a:xfrm>
+            <a:off x="327963" y="2492075"/>
+            <a:ext cx="1961434" cy="369332"/>
+          </a:xfrm>
+          <a:prstGeom prst="rect">
+            <a:avLst/>
+          </a:prstGeom>
+          <a:noFill/>
+        </p:spPr>
+        <p:txBody>
+          <a:bodyPr wrap="none" rtlCol="0">
+            <a:spAutoFit/>
+          </a:bodyPr>
+          <a:lstStyle/>
+          <a:p>
+            <a:r>
+              <a:rPr kumimoji="1" lang="en-US" altLang="ko-Kore-KR" dirty="0"/>
+              <a:t>A bus left at time 0</a:t>
             </a:r>
             <a:endParaRPr kumimoji="1" lang="ko-Kore-KR" altLang="en-US" dirty="0"/>
           </a:p>
